--- a/GA Project 1/GA Project 1 Slides.pptx
+++ b/GA Project 1/GA Project 1 Slides.pptx
@@ -274,6 +274,11 @@
       </a:defRPr>
     </a:lvl9pPr>
   </p:defaultTextStyle>
+  <p:extLst>
+    <p:ext uri="{EFAFB233-063F-42B5-8137-9DF3F51BA10A}">
+      <p15:sldGuideLst xmlns:p15="http://schemas.microsoft.com/office/powerpoint/2012/main"/>
+    </p:ext>
+  </p:extLst>
 </p:presentation>
 </file>
 
@@ -14939,7 +14944,15 @@
           <a:p>
             <a:r>
               <a:rPr lang="en-US" sz="2000" dirty="0"/>
-              <a:t>Participation increased by 15% in 2019 despite ACT being mandatory in the state.</a:t>
+              <a:t>Participation increased </a:t>
+            </a:r>
+            <a:r>
+              <a:rPr lang="en-US" sz="2000"/>
+              <a:t>by 14% </a:t>
+            </a:r>
+            <a:r>
+              <a:rPr lang="en-US" sz="2000" dirty="0"/>
+              <a:t>in 2019 despite ACT being mandatory in the state.</a:t>
             </a:r>
             <a:r>
               <a:rPr lang="en-US" sz="1400" dirty="0"/>

--- a/GA Project 1/GA Project 1 Slides.pptx
+++ b/GA Project 1/GA Project 1 Slides.pptx
@@ -15881,8 +15881,12 @@
               <a:buNone/>
             </a:pPr>
             <a:r>
+              <a:rPr lang="en"/>
+              <a:t>Project </a:t>
+            </a:r>
+            <a:r>
               <a:rPr lang="en" dirty="0"/>
-              <a:t>Process Objectives</a:t>
+              <a:t>Objectives</a:t>
             </a:r>
             <a:endParaRPr dirty="0"/>
           </a:p>

--- a/GA Project 1/GA Project 1 Slides.pptx
+++ b/GA Project 1/GA Project 1 Slides.pptx
@@ -5,44 +5,43 @@
     <p:sldMasterId id="2147483658" r:id="rId1"/>
   </p:sldMasterIdLst>
   <p:notesMasterIdLst>
-    <p:notesMasterId r:id="rId20"/>
+    <p:notesMasterId r:id="rId19"/>
   </p:notesMasterIdLst>
   <p:sldIdLst>
     <p:sldId id="256" r:id="rId2"/>
     <p:sldId id="295" r:id="rId3"/>
     <p:sldId id="304" r:id="rId4"/>
-    <p:sldId id="300" r:id="rId5"/>
-    <p:sldId id="297" r:id="rId6"/>
-    <p:sldId id="298" r:id="rId7"/>
-    <p:sldId id="299" r:id="rId8"/>
-    <p:sldId id="306" r:id="rId9"/>
-    <p:sldId id="307" r:id="rId10"/>
-    <p:sldId id="308" r:id="rId11"/>
-    <p:sldId id="309" r:id="rId12"/>
-    <p:sldId id="310" r:id="rId13"/>
-    <p:sldId id="311" r:id="rId14"/>
-    <p:sldId id="313" r:id="rId15"/>
-    <p:sldId id="314" r:id="rId16"/>
-    <p:sldId id="301" r:id="rId17"/>
-    <p:sldId id="305" r:id="rId18"/>
-    <p:sldId id="315" r:id="rId19"/>
+    <p:sldId id="297" r:id="rId5"/>
+    <p:sldId id="298" r:id="rId6"/>
+    <p:sldId id="299" r:id="rId7"/>
+    <p:sldId id="306" r:id="rId8"/>
+    <p:sldId id="307" r:id="rId9"/>
+    <p:sldId id="308" r:id="rId10"/>
+    <p:sldId id="309" r:id="rId11"/>
+    <p:sldId id="310" r:id="rId12"/>
+    <p:sldId id="311" r:id="rId13"/>
+    <p:sldId id="313" r:id="rId14"/>
+    <p:sldId id="314" r:id="rId15"/>
+    <p:sldId id="305" r:id="rId16"/>
+    <p:sldId id="315" r:id="rId17"/>
+    <p:sldId id="301" r:id="rId18"/>
   </p:sldIdLst>
   <p:sldSz cx="9144000" cy="5143500" type="screen16x9"/>
   <p:notesSz cx="6858000" cy="9144000"/>
   <p:embeddedFontLst>
     <p:embeddedFont>
       <p:font typeface="Lato" panose="020F0502020204030203" pitchFamily="34" charset="0"/>
-      <p:regular r:id="rId21"/>
-      <p:bold r:id="rId22"/>
-      <p:italic r:id="rId23"/>
-      <p:boldItalic r:id="rId24"/>
+      <p:regular r:id="rId20"/>
+      <p:bold r:id="rId21"/>
+      <p:italic r:id="rId22"/>
+      <p:boldItalic r:id="rId23"/>
     </p:embeddedFont>
     <p:embeddedFont>
       <p:font typeface="Raleway" pitchFamily="2" charset="77"/>
-      <p:regular r:id="rId25"/>
-      <p:bold r:id="rId26"/>
-      <p:italic r:id="rId27"/>
-      <p:boldItalic r:id="rId28"/>
+      <p:regular r:id="rId24"/>
+      <p:bold r:id="rId25"/>
+      <p:italic r:id="rId26"/>
+      <p:boldItalic r:id="rId27"/>
     </p:embeddedFont>
   </p:embeddedFontLst>
   <p:defaultTextStyle>
@@ -7421,115 +7420,6 @@
 </p:notes>
 </file>
 
-<file path=ppt/notesSlides/notesSlide10.xml><?xml version="1.0" encoding="utf-8"?>
-<p:notes xmlns:a="http://schemas.openxmlformats.org/drawingml/2006/main" xmlns:r="http://schemas.openxmlformats.org/officeDocument/2006/relationships" xmlns:p="http://schemas.openxmlformats.org/presentationml/2006/main" showMasterSp="0" showMasterPhAnim="0">
-  <p:cSld>
-    <p:spTree>
-      <p:nvGrpSpPr>
-        <p:cNvPr id="1" name="Shape 120"/>
-        <p:cNvGrpSpPr/>
-        <p:nvPr/>
-      </p:nvGrpSpPr>
-      <p:grpSpPr>
-        <a:xfrm>
-          <a:off x="0" y="0"/>
-          <a:ext cx="0" cy="0"/>
-          <a:chOff x="0" y="0"/>
-          <a:chExt cx="0" cy="0"/>
-        </a:xfrm>
-      </p:grpSpPr>
-      <p:sp>
-        <p:nvSpPr>
-          <p:cNvPr id="121" name="Google Shape;121;p:notes"/>
-          <p:cNvSpPr>
-            <a:spLocks noGrp="1" noRot="1" noChangeAspect="1"/>
-          </p:cNvSpPr>
-          <p:nvPr>
-            <p:ph type="sldImg" idx="2"/>
-          </p:nvPr>
-        </p:nvSpPr>
-        <p:spPr>
-          <a:xfrm>
-            <a:off x="381000" y="685800"/>
-            <a:ext cx="6096000" cy="3429000"/>
-          </a:xfrm>
-          <a:custGeom>
-            <a:avLst/>
-            <a:gdLst/>
-            <a:ahLst/>
-            <a:cxnLst/>
-            <a:rect l="l" t="t" r="r" b="b"/>
-            <a:pathLst>
-              <a:path w="120000" h="120000" extrusionOk="0">
-                <a:moveTo>
-                  <a:pt x="0" y="0"/>
-                </a:moveTo>
-                <a:lnTo>
-                  <a:pt x="120000" y="0"/>
-                </a:lnTo>
-                <a:lnTo>
-                  <a:pt x="120000" y="120000"/>
-                </a:lnTo>
-                <a:lnTo>
-                  <a:pt x="0" y="120000"/>
-                </a:lnTo>
-                <a:close/>
-              </a:path>
-            </a:pathLst>
-          </a:custGeom>
-        </p:spPr>
-      </p:sp>
-      <p:sp>
-        <p:nvSpPr>
-          <p:cNvPr id="122" name="Google Shape;122;p:notes"/>
-          <p:cNvSpPr txBox="1">
-            <a:spLocks noGrp="1"/>
-          </p:cNvSpPr>
-          <p:nvPr>
-            <p:ph type="body" idx="1"/>
-          </p:nvPr>
-        </p:nvSpPr>
-        <p:spPr>
-          <a:xfrm>
-            <a:off x="685800" y="4343400"/>
-            <a:ext cx="5486400" cy="4114800"/>
-          </a:xfrm>
-          <a:prstGeom prst="rect">
-            <a:avLst/>
-          </a:prstGeom>
-        </p:spPr>
-        <p:txBody>
-          <a:bodyPr spcFirstLastPara="1" wrap="square" lIns="91425" tIns="91425" rIns="91425" bIns="91425" anchor="t" anchorCtr="0">
-            <a:noAutofit/>
-          </a:bodyPr>
-          <a:lstStyle/>
-          <a:p>
-            <a:pPr marL="0" lvl="0" indent="0" algn="l" rtl="0">
-              <a:spcBef>
-                <a:spcPts val="0"/>
-              </a:spcBef>
-              <a:spcAft>
-                <a:spcPts val="0"/>
-              </a:spcAft>
-              <a:buNone/>
-            </a:pPr>
-            <a:endParaRPr/>
-          </a:p>
-        </p:txBody>
-      </p:sp>
-    </p:spTree>
-    <p:extLst>
-      <p:ext uri="{BB962C8B-B14F-4D97-AF65-F5344CB8AC3E}">
-        <p14:creationId xmlns:p14="http://schemas.microsoft.com/office/powerpoint/2010/main" val="136011551"/>
-      </p:ext>
-    </p:extLst>
-  </p:cSld>
-  <p:clrMapOvr>
-    <a:masterClrMapping/>
-  </p:clrMapOvr>
-</p:notes>
-</file>
-
 <file path=ppt/notesSlides/notesSlide2.xml><?xml version="1.0" encoding="utf-8"?>
 <p:notes xmlns:a="http://schemas.openxmlformats.org/drawingml/2006/main" xmlns:r="http://schemas.openxmlformats.org/officeDocument/2006/relationships" xmlns:p="http://schemas.openxmlformats.org/presentationml/2006/main" showMasterSp="0" showMasterPhAnim="0">
   <p:cSld>
@@ -7847,7 +7737,7 @@
     </p:spTree>
     <p:extLst>
       <p:ext uri="{BB962C8B-B14F-4D97-AF65-F5344CB8AC3E}">
-        <p14:creationId xmlns:p14="http://schemas.microsoft.com/office/powerpoint/2010/main" val="1788587176"/>
+        <p14:creationId xmlns:p14="http://schemas.microsoft.com/office/powerpoint/2010/main" val="377891294"/>
       </p:ext>
     </p:extLst>
   </p:cSld>
@@ -7956,7 +7846,7 @@
     </p:spTree>
     <p:extLst>
       <p:ext uri="{BB962C8B-B14F-4D97-AF65-F5344CB8AC3E}">
-        <p14:creationId xmlns:p14="http://schemas.microsoft.com/office/powerpoint/2010/main" val="377891294"/>
+        <p14:creationId xmlns:p14="http://schemas.microsoft.com/office/powerpoint/2010/main" val="4088085396"/>
       </p:ext>
     </p:extLst>
   </p:cSld>
@@ -8065,7 +7955,7 @@
     </p:spTree>
     <p:extLst>
       <p:ext uri="{BB962C8B-B14F-4D97-AF65-F5344CB8AC3E}">
-        <p14:creationId xmlns:p14="http://schemas.microsoft.com/office/powerpoint/2010/main" val="4088085396"/>
+        <p14:creationId xmlns:p14="http://schemas.microsoft.com/office/powerpoint/2010/main" val="818038180"/>
       </p:ext>
     </p:extLst>
   </p:cSld>
@@ -8174,7 +8064,7 @@
     </p:spTree>
     <p:extLst>
       <p:ext uri="{BB962C8B-B14F-4D97-AF65-F5344CB8AC3E}">
-        <p14:creationId xmlns:p14="http://schemas.microsoft.com/office/powerpoint/2010/main" val="818038180"/>
+        <p14:creationId xmlns:p14="http://schemas.microsoft.com/office/powerpoint/2010/main" val="2684174212"/>
       </p:ext>
     </p:extLst>
   </p:cSld>
@@ -8283,7 +8173,7 @@
     </p:spTree>
     <p:extLst>
       <p:ext uri="{BB962C8B-B14F-4D97-AF65-F5344CB8AC3E}">
-        <p14:creationId xmlns:p14="http://schemas.microsoft.com/office/powerpoint/2010/main" val="418730755"/>
+        <p14:creationId xmlns:p14="http://schemas.microsoft.com/office/powerpoint/2010/main" val="136011551"/>
       </p:ext>
     </p:extLst>
   </p:cSld>
@@ -8392,7 +8282,7 @@
     </p:spTree>
     <p:extLst>
       <p:ext uri="{BB962C8B-B14F-4D97-AF65-F5344CB8AC3E}">
-        <p14:creationId xmlns:p14="http://schemas.microsoft.com/office/powerpoint/2010/main" val="2684174212"/>
+        <p14:creationId xmlns:p14="http://schemas.microsoft.com/office/powerpoint/2010/main" val="418730755"/>
       </p:ext>
     </p:extLst>
   </p:cSld>
@@ -11230,195 +11120,6 @@
           <a:p>
             <a:r>
               <a:rPr lang="en-US" dirty="0"/>
-              <a:t>Trends – SAT Participation Rates</a:t>
-            </a:r>
-          </a:p>
-        </p:txBody>
-      </p:sp>
-      <p:sp>
-        <p:nvSpPr>
-          <p:cNvPr id="4" name="Slide Number Placeholder 3">
-            <a:extLst>
-              <a:ext uri="{FF2B5EF4-FFF2-40B4-BE49-F238E27FC236}">
-                <a16:creationId xmlns:a16="http://schemas.microsoft.com/office/drawing/2014/main" id="{FB4F5580-F843-BA2D-5964-C0C9EAE40BB8}"/>
-              </a:ext>
-            </a:extLst>
-          </p:cNvPr>
-          <p:cNvSpPr>
-            <a:spLocks noGrp="1"/>
-          </p:cNvSpPr>
-          <p:nvPr>
-            <p:ph type="sldNum" idx="12"/>
-          </p:nvPr>
-        </p:nvSpPr>
-        <p:spPr/>
-        <p:txBody>
-          <a:bodyPr/>
-          <a:lstStyle/>
-          <a:p>
-            <a:pPr marL="0" lvl="0" indent="0" algn="r" rtl="0">
-              <a:spcBef>
-                <a:spcPts val="0"/>
-              </a:spcBef>
-              <a:spcAft>
-                <a:spcPts val="0"/>
-              </a:spcAft>
-              <a:buNone/>
-            </a:pPr>
-            <a:fld id="{00000000-1234-1234-1234-123412341234}" type="slidenum">
-              <a:rPr lang="en" smtClean="0"/>
-              <a:t>10</a:t>
-            </a:fld>
-            <a:endParaRPr lang="en"/>
-          </a:p>
-        </p:txBody>
-      </p:sp>
-      <p:sp>
-        <p:nvSpPr>
-          <p:cNvPr id="3" name="Google Shape;125;p17">
-            <a:extLst>
-              <a:ext uri="{FF2B5EF4-FFF2-40B4-BE49-F238E27FC236}">
-                <a16:creationId xmlns:a16="http://schemas.microsoft.com/office/drawing/2014/main" id="{3C84B1BF-86F4-1247-4385-BE2CC96EEB2F}"/>
-              </a:ext>
-            </a:extLst>
-          </p:cNvPr>
-          <p:cNvSpPr txBox="1">
-            <a:spLocks noGrp="1"/>
-          </p:cNvSpPr>
-          <p:nvPr>
-            <p:ph type="body" idx="1"/>
-          </p:nvPr>
-        </p:nvSpPr>
-        <p:spPr>
-          <a:xfrm>
-            <a:off x="662881" y="1382466"/>
-            <a:ext cx="7586876" cy="3552300"/>
-          </a:xfrm>
-          <a:prstGeom prst="rect">
-            <a:avLst/>
-          </a:prstGeom>
-        </p:spPr>
-        <p:txBody>
-          <a:bodyPr spcFirstLastPara="1" wrap="square" lIns="91425" tIns="91425" rIns="91425" bIns="91425" anchor="t" anchorCtr="0">
-            <a:noAutofit/>
-          </a:bodyPr>
-          <a:lstStyle/>
-          <a:p>
-            <a:pPr lvl="0"/>
-            <a:r>
-              <a:rPr lang="en-US" sz="2000" dirty="0"/>
-              <a:t>Overall participation rates across the states remain quite stable for the past 3 years.</a:t>
-            </a:r>
-            <a:endParaRPr lang="en-SG" sz="2000" dirty="0"/>
-          </a:p>
-          <a:p>
-            <a:pPr marL="114300" lvl="0" indent="0">
-              <a:buNone/>
-            </a:pPr>
-            <a:endParaRPr lang="en-SG" sz="2000" dirty="0"/>
-          </a:p>
-          <a:p>
-            <a:pPr lvl="0"/>
-            <a:r>
-              <a:rPr lang="en-SG" sz="2000" dirty="0"/>
-              <a:t>Huge jumps for Colorado, Illinois and West Virginia.</a:t>
-            </a:r>
-          </a:p>
-          <a:p>
-            <a:pPr lvl="0"/>
-            <a:endParaRPr lang="en-SG" sz="2000" dirty="0"/>
-          </a:p>
-          <a:p>
-            <a:pPr lvl="0"/>
-            <a:r>
-              <a:rPr lang="en-SG" sz="2000" dirty="0"/>
-              <a:t>Mainly due to SAT being made mandatory in these states.</a:t>
-            </a:r>
-          </a:p>
-          <a:p>
-            <a:pPr lvl="0"/>
-            <a:endParaRPr lang="en-SG" sz="2000" dirty="0"/>
-          </a:p>
-          <a:p>
-            <a:pPr lvl="0"/>
-            <a:endParaRPr lang="en-SG" sz="2000" dirty="0"/>
-          </a:p>
-          <a:p>
-            <a:pPr lvl="0"/>
-            <a:endParaRPr lang="en-SG" sz="2000" dirty="0"/>
-          </a:p>
-          <a:p>
-            <a:pPr lvl="0"/>
-            <a:endParaRPr lang="en-US" sz="2000" dirty="0"/>
-          </a:p>
-          <a:p>
-            <a:pPr marL="457200" lvl="0" indent="-342900" algn="l" rtl="0">
-              <a:spcBef>
-                <a:spcPts val="0"/>
-              </a:spcBef>
-              <a:spcAft>
-                <a:spcPts val="0"/>
-              </a:spcAft>
-              <a:buSzPts val="1800"/>
-              <a:buChar char="▷"/>
-            </a:pPr>
-            <a:endParaRPr sz="2000" dirty="0"/>
-          </a:p>
-        </p:txBody>
-      </p:sp>
-    </p:spTree>
-    <p:extLst>
-      <p:ext uri="{BB962C8B-B14F-4D97-AF65-F5344CB8AC3E}">
-        <p14:creationId xmlns:p14="http://schemas.microsoft.com/office/powerpoint/2010/main" val="1854909011"/>
-      </p:ext>
-    </p:extLst>
-  </p:cSld>
-  <p:clrMapOvr>
-    <a:masterClrMapping/>
-  </p:clrMapOvr>
-</p:sld>
-</file>
-
-<file path=ppt/slides/slide11.xml><?xml version="1.0" encoding="utf-8"?>
-<p:sld xmlns:a="http://schemas.openxmlformats.org/drawingml/2006/main" xmlns:r="http://schemas.openxmlformats.org/officeDocument/2006/relationships" xmlns:p="http://schemas.openxmlformats.org/presentationml/2006/main">
-  <p:cSld>
-    <p:spTree>
-      <p:nvGrpSpPr>
-        <p:cNvPr id="1" name=""/>
-        <p:cNvGrpSpPr/>
-        <p:nvPr/>
-      </p:nvGrpSpPr>
-      <p:grpSpPr>
-        <a:xfrm>
-          <a:off x="0" y="0"/>
-          <a:ext cx="0" cy="0"/>
-          <a:chOff x="0" y="0"/>
-          <a:chExt cx="0" cy="0"/>
-        </a:xfrm>
-      </p:grpSpPr>
-      <p:sp>
-        <p:nvSpPr>
-          <p:cNvPr id="2" name="Title 1">
-            <a:extLst>
-              <a:ext uri="{FF2B5EF4-FFF2-40B4-BE49-F238E27FC236}">
-                <a16:creationId xmlns:a16="http://schemas.microsoft.com/office/drawing/2014/main" id="{398F70CC-ED3E-5B25-5A00-F46EAEDB7B30}"/>
-              </a:ext>
-            </a:extLst>
-          </p:cNvPr>
-          <p:cNvSpPr>
-            <a:spLocks noGrp="1"/>
-          </p:cNvSpPr>
-          <p:nvPr>
-            <p:ph type="title"/>
-          </p:nvPr>
-        </p:nvSpPr>
-        <p:spPr/>
-        <p:txBody>
-          <a:bodyPr/>
-          <a:lstStyle/>
-          <a:p>
-            <a:r>
-              <a:rPr lang="en-US" dirty="0"/>
               <a:t>Trends – ACT Rates vs SAT Rates</a:t>
             </a:r>
           </a:p>
@@ -11456,7 +11157,7 @@
             </a:pPr>
             <a:fld id="{00000000-1234-1234-1234-123412341234}" type="slidenum">
               <a:rPr lang="en" smtClean="0"/>
-              <a:t>11</a:t>
+              <a:t>10</a:t>
             </a:fld>
             <a:endParaRPr lang="en"/>
           </a:p>
@@ -11778,7 +11479,7 @@
 </p:sld>
 </file>
 
-<file path=ppt/slides/slide12.xml><?xml version="1.0" encoding="utf-8"?>
+<file path=ppt/slides/slide11.xml><?xml version="1.0" encoding="utf-8"?>
 <p:sld xmlns:a="http://schemas.openxmlformats.org/drawingml/2006/main" xmlns:r="http://schemas.openxmlformats.org/officeDocument/2006/relationships" xmlns:p="http://schemas.openxmlformats.org/presentationml/2006/main">
   <p:cSld>
     <p:spTree>
@@ -11855,7 +11556,7 @@
             </a:pPr>
             <a:fld id="{00000000-1234-1234-1234-123412341234}" type="slidenum">
               <a:rPr lang="en" smtClean="0"/>
-              <a:t>12</a:t>
+              <a:t>11</a:t>
             </a:fld>
             <a:endParaRPr lang="en"/>
           </a:p>
@@ -11967,7 +11668,7 @@
 </p:sld>
 </file>
 
-<file path=ppt/slides/slide13.xml><?xml version="1.0" encoding="utf-8"?>
+<file path=ppt/slides/slide12.xml><?xml version="1.0" encoding="utf-8"?>
 <p:sld xmlns:a="http://schemas.openxmlformats.org/drawingml/2006/main" xmlns:r="http://schemas.openxmlformats.org/officeDocument/2006/relationships" xmlns:p="http://schemas.openxmlformats.org/presentationml/2006/main">
   <p:cSld>
     <p:spTree>
@@ -12079,7 +11780,7 @@
             </a:pPr>
             <a:fld id="{00000000-1234-1234-1234-123412341234}" type="slidenum">
               <a:rPr lang="en" smtClean="0"/>
-              <a:t>13</a:t>
+              <a:t>12</a:t>
             </a:fld>
             <a:endParaRPr lang="en"/>
           </a:p>
@@ -12636,6 +12337,59 @@
                       </p:childTnLst>
                     </p:cTn>
                   </p:par>
+                  <p:par>
+                    <p:cTn id="13" fill="hold">
+                      <p:stCondLst>
+                        <p:cond delay="indefinite"/>
+                      </p:stCondLst>
+                      <p:childTnLst>
+                        <p:par>
+                          <p:cTn id="14" fill="hold">
+                            <p:stCondLst>
+                              <p:cond delay="0"/>
+                            </p:stCondLst>
+                            <p:childTnLst>
+                              <p:par>
+                                <p:cTn id="15" presetID="5" presetClass="entr" presetSubtype="10" fill="hold" grpId="0" nodeType="clickEffect">
+                                  <p:stCondLst>
+                                    <p:cond delay="0"/>
+                                  </p:stCondLst>
+                                  <p:childTnLst>
+                                    <p:set>
+                                      <p:cBhvr>
+                                        <p:cTn id="16" dur="1" fill="hold">
+                                          <p:stCondLst>
+                                            <p:cond delay="0"/>
+                                          </p:stCondLst>
+                                        </p:cTn>
+                                        <p:tgtEl>
+                                          <p:spTgt spid="13"/>
+                                        </p:tgtEl>
+                                        <p:attrNameLst>
+                                          <p:attrName>style.visibility</p:attrName>
+                                        </p:attrNameLst>
+                                      </p:cBhvr>
+                                      <p:to>
+                                        <p:strVal val="visible"/>
+                                      </p:to>
+                                    </p:set>
+                                    <p:animEffect transition="in" filter="checkerboard(across)">
+                                      <p:cBhvr>
+                                        <p:cTn id="17" dur="500"/>
+                                        <p:tgtEl>
+                                          <p:spTgt spid="13"/>
+                                        </p:tgtEl>
+                                      </p:cBhvr>
+                                    </p:animEffect>
+                                  </p:childTnLst>
+                                </p:cTn>
+                              </p:par>
+                            </p:childTnLst>
+                          </p:cTn>
+                        </p:par>
+                      </p:childTnLst>
+                    </p:cTn>
+                  </p:par>
                 </p:childTnLst>
               </p:cTn>
               <p:prevCondLst>
@@ -12658,13 +12412,14 @@
       </p:par>
     </p:tnLst>
     <p:bldLst>
+      <p:bldP spid="13" grpId="0"/>
       <p:bldP spid="20" grpId="0" animBg="1"/>
     </p:bldLst>
   </p:timing>
 </p:sld>
 </file>
 
-<file path=ppt/slides/slide14.xml><?xml version="1.0" encoding="utf-8"?>
+<file path=ppt/slides/slide13.xml><?xml version="1.0" encoding="utf-8"?>
 <p:sld xmlns:a="http://schemas.openxmlformats.org/drawingml/2006/main" xmlns:r="http://schemas.openxmlformats.org/officeDocument/2006/relationships" xmlns:p="http://schemas.openxmlformats.org/presentationml/2006/main">
   <p:cSld>
     <p:spTree>
@@ -12837,7 +12592,7 @@
             </a:pPr>
             <a:fld id="{00000000-1234-1234-1234-123412341234}" type="slidenum">
               <a:rPr lang="en" smtClean="0"/>
-              <a:t>14</a:t>
+              <a:t>13</a:t>
             </a:fld>
             <a:endParaRPr lang="en" dirty="0"/>
           </a:p>
@@ -12856,7 +12611,7 @@
 </p:sld>
 </file>
 
-<file path=ppt/slides/slide15.xml><?xml version="1.0" encoding="utf-8"?>
+<file path=ppt/slides/slide14.xml><?xml version="1.0" encoding="utf-8"?>
 <p:sld xmlns:a="http://schemas.openxmlformats.org/drawingml/2006/main" xmlns:r="http://schemas.openxmlformats.org/officeDocument/2006/relationships" xmlns:p="http://schemas.openxmlformats.org/presentationml/2006/main">
   <p:cSld>
     <p:spTree>
@@ -12998,7 +12753,7 @@
             </a:pPr>
             <a:fld id="{00000000-1234-1234-1234-123412341234}" type="slidenum">
               <a:rPr lang="en"/>
-              <a:t>15</a:t>
+              <a:t>14</a:t>
             </a:fld>
             <a:endParaRPr/>
           </a:p>
@@ -14944,15 +14699,19 @@
           <a:p>
             <a:r>
               <a:rPr lang="en-US" sz="2000" dirty="0"/>
-              <a:t>Participation increased </a:t>
+              <a:t>Participation rate </a:t>
             </a:r>
             <a:r>
-              <a:rPr lang="en-US" sz="2000"/>
-              <a:t>by 14% </a:t>
+              <a:rPr lang="en-US" sz="2000" dirty="0">
+                <a:solidFill>
+                  <a:schemeClr val="accent1"/>
+                </a:solidFill>
+              </a:rPr>
+              <a:t>increased by 14% in 2019 </a:t>
             </a:r>
             <a:r>
               <a:rPr lang="en-US" sz="2000" dirty="0"/>
-              <a:t>in 2019 despite ACT being mandatory in the state.</a:t>
+              <a:t>despite ACT being mandatory in the state.</a:t>
             </a:r>
             <a:r>
               <a:rPr lang="en-US" sz="1400" dirty="0"/>
@@ -14974,204 +14733,7 @@
 </p:sld>
 </file>
 
-<file path=ppt/slides/slide16.xml><?xml version="1.0" encoding="utf-8"?>
-<p:sld xmlns:a="http://schemas.openxmlformats.org/drawingml/2006/main" xmlns:r="http://schemas.openxmlformats.org/officeDocument/2006/relationships" xmlns:p="http://schemas.openxmlformats.org/presentationml/2006/main">
-  <p:cSld>
-    <p:spTree>
-      <p:nvGrpSpPr>
-        <p:cNvPr id="1" name="Shape 123"/>
-        <p:cNvGrpSpPr/>
-        <p:nvPr/>
-      </p:nvGrpSpPr>
-      <p:grpSpPr>
-        <a:xfrm>
-          <a:off x="0" y="0"/>
-          <a:ext cx="0" cy="0"/>
-          <a:chOff x="0" y="0"/>
-          <a:chExt cx="0" cy="0"/>
-        </a:xfrm>
-      </p:grpSpPr>
-      <p:sp>
-        <p:nvSpPr>
-          <p:cNvPr id="124" name="Google Shape;124;p17"/>
-          <p:cNvSpPr txBox="1">
-            <a:spLocks noGrp="1"/>
-          </p:cNvSpPr>
-          <p:nvPr>
-            <p:ph type="title"/>
-          </p:nvPr>
-        </p:nvSpPr>
-        <p:spPr>
-          <a:xfrm>
-            <a:off x="893700" y="358388"/>
-            <a:ext cx="6462600" cy="857400"/>
-          </a:xfrm>
-          <a:prstGeom prst="rect">
-            <a:avLst/>
-          </a:prstGeom>
-        </p:spPr>
-        <p:txBody>
-          <a:bodyPr spcFirstLastPara="1" wrap="square" lIns="91425" tIns="91425" rIns="91425" bIns="91425" anchor="b" anchorCtr="0">
-            <a:noAutofit/>
-          </a:bodyPr>
-          <a:lstStyle/>
-          <a:p>
-            <a:pPr marL="0" lvl="0" indent="0" algn="l" rtl="0">
-              <a:spcBef>
-                <a:spcPts val="0"/>
-              </a:spcBef>
-              <a:spcAft>
-                <a:spcPts val="0"/>
-              </a:spcAft>
-              <a:buNone/>
-            </a:pPr>
-            <a:r>
-              <a:rPr lang="en" dirty="0"/>
-              <a:t>Key Limitations</a:t>
-            </a:r>
-            <a:endParaRPr dirty="0"/>
-          </a:p>
-        </p:txBody>
-      </p:sp>
-      <p:sp>
-        <p:nvSpPr>
-          <p:cNvPr id="125" name="Google Shape;125;p17"/>
-          <p:cNvSpPr txBox="1">
-            <a:spLocks noGrp="1"/>
-          </p:cNvSpPr>
-          <p:nvPr>
-            <p:ph type="body" idx="1"/>
-          </p:nvPr>
-        </p:nvSpPr>
-        <p:spPr>
-          <a:xfrm>
-            <a:off x="662881" y="1382466"/>
-            <a:ext cx="7586876" cy="3552300"/>
-          </a:xfrm>
-          <a:prstGeom prst="rect">
-            <a:avLst/>
-          </a:prstGeom>
-        </p:spPr>
-        <p:txBody>
-          <a:bodyPr spcFirstLastPara="1" wrap="square" lIns="91425" tIns="91425" rIns="91425" bIns="91425" anchor="t" anchorCtr="0">
-            <a:noAutofit/>
-          </a:bodyPr>
-          <a:lstStyle/>
-          <a:p>
-            <a:pPr lvl="0"/>
-            <a:r>
-              <a:rPr lang="en-US" sz="2000" dirty="0"/>
-              <a:t>Limits in data. Data obtained is only up till 2019.</a:t>
-            </a:r>
-            <a:endParaRPr lang="en-SG" sz="2000" dirty="0"/>
-          </a:p>
-          <a:p>
-            <a:pPr marL="114300" lvl="0" indent="0">
-              <a:buNone/>
-            </a:pPr>
-            <a:endParaRPr lang="en-SG" sz="2000" dirty="0"/>
-          </a:p>
-          <a:p>
-            <a:pPr lvl="0"/>
-            <a:r>
-              <a:rPr lang="en-SG" sz="2000" dirty="0"/>
-              <a:t>Correlation does not imply causation. There could be other contributing factors.</a:t>
-            </a:r>
-          </a:p>
-          <a:p>
-            <a:pPr lvl="0"/>
-            <a:endParaRPr lang="en-SG" sz="2000" dirty="0"/>
-          </a:p>
-          <a:p>
-            <a:pPr lvl="0"/>
-            <a:r>
-              <a:rPr lang="en-SG" sz="2000" dirty="0"/>
-              <a:t>Analysis and recommendations is on the assumption that future trends will hold similar to historical trends.</a:t>
-            </a:r>
-          </a:p>
-          <a:p>
-            <a:pPr lvl="0"/>
-            <a:endParaRPr lang="en-SG" sz="2000" dirty="0"/>
-          </a:p>
-          <a:p>
-            <a:pPr lvl="0"/>
-            <a:endParaRPr lang="en-SG" sz="2000" dirty="0"/>
-          </a:p>
-          <a:p>
-            <a:pPr lvl="0"/>
-            <a:endParaRPr lang="en-US" sz="2000" dirty="0"/>
-          </a:p>
-          <a:p>
-            <a:pPr marL="457200" lvl="0" indent="-342900" algn="l" rtl="0">
-              <a:spcBef>
-                <a:spcPts val="0"/>
-              </a:spcBef>
-              <a:spcAft>
-                <a:spcPts val="0"/>
-              </a:spcAft>
-              <a:buSzPts val="1800"/>
-              <a:buChar char="▷"/>
-            </a:pPr>
-            <a:endParaRPr sz="2000" dirty="0"/>
-          </a:p>
-        </p:txBody>
-      </p:sp>
-      <p:sp>
-        <p:nvSpPr>
-          <p:cNvPr id="126" name="Google Shape;126;p17"/>
-          <p:cNvSpPr txBox="1">
-            <a:spLocks noGrp="1"/>
-          </p:cNvSpPr>
-          <p:nvPr>
-            <p:ph type="sldNum" idx="12"/>
-          </p:nvPr>
-        </p:nvSpPr>
-        <p:spPr>
-          <a:xfrm>
-            <a:off x="8480575" y="4696933"/>
-            <a:ext cx="548700" cy="313500"/>
-          </a:xfrm>
-          <a:prstGeom prst="rect">
-            <a:avLst/>
-          </a:prstGeom>
-        </p:spPr>
-        <p:txBody>
-          <a:bodyPr spcFirstLastPara="1" wrap="square" lIns="91425" tIns="91425" rIns="91425" bIns="91425" anchor="t" anchorCtr="0">
-            <a:noAutofit/>
-          </a:bodyPr>
-          <a:lstStyle/>
-          <a:p>
-            <a:pPr marL="0" lvl="0" indent="0" algn="r" rtl="0">
-              <a:spcBef>
-                <a:spcPts val="0"/>
-              </a:spcBef>
-              <a:spcAft>
-                <a:spcPts val="0"/>
-              </a:spcAft>
-              <a:buNone/>
-            </a:pPr>
-            <a:fld id="{00000000-1234-1234-1234-123412341234}" type="slidenum">
-              <a:rPr lang="en"/>
-              <a:t>16</a:t>
-            </a:fld>
-            <a:endParaRPr/>
-          </a:p>
-        </p:txBody>
-      </p:sp>
-    </p:spTree>
-    <p:extLst>
-      <p:ext uri="{BB962C8B-B14F-4D97-AF65-F5344CB8AC3E}">
-        <p14:creationId xmlns:p14="http://schemas.microsoft.com/office/powerpoint/2010/main" val="2533057844"/>
-      </p:ext>
-    </p:extLst>
-  </p:cSld>
-  <p:clrMapOvr>
-    <a:masterClrMapping/>
-  </p:clrMapOvr>
-</p:sld>
-</file>
-
-<file path=ppt/slides/slide17.xml><?xml version="1.0" encoding="utf-8"?>
+<file path=ppt/slides/slide15.xml><?xml version="1.0" encoding="utf-8"?>
 <p:sld xmlns:a="http://schemas.openxmlformats.org/drawingml/2006/main" xmlns:r="http://schemas.openxmlformats.org/officeDocument/2006/relationships" xmlns:p="http://schemas.openxmlformats.org/presentationml/2006/main">
   <p:cSld>
     <p:spTree>
@@ -15351,7 +14913,7 @@
             </a:pPr>
             <a:fld id="{00000000-1234-1234-1234-123412341234}" type="slidenum">
               <a:rPr lang="en"/>
-              <a:t>17</a:t>
+              <a:t>15</a:t>
             </a:fld>
             <a:endParaRPr/>
           </a:p>
@@ -15370,7 +14932,7 @@
 </p:sld>
 </file>
 
-<file path=ppt/slides/slide18.xml><?xml version="1.0" encoding="utf-8"?>
+<file path=ppt/slides/slide16.xml><?xml version="1.0" encoding="utf-8"?>
 <p:sld xmlns:a="http://schemas.openxmlformats.org/drawingml/2006/main" xmlns:r="http://schemas.openxmlformats.org/officeDocument/2006/relationships" xmlns:p="http://schemas.openxmlformats.org/presentationml/2006/main">
   <p:cSld>
     <p:spTree>
@@ -15574,7 +15136,7 @@
             </a:pPr>
             <a:fld id="{00000000-1234-1234-1234-123412341234}" type="slidenum">
               <a:rPr lang="en"/>
-              <a:t>18</a:t>
+              <a:t>16</a:t>
             </a:fld>
             <a:endParaRPr/>
           </a:p>
@@ -15584,6 +15146,203 @@
     <p:extLst>
       <p:ext uri="{BB962C8B-B14F-4D97-AF65-F5344CB8AC3E}">
         <p14:creationId xmlns:p14="http://schemas.microsoft.com/office/powerpoint/2010/main" val="1003885158"/>
+      </p:ext>
+    </p:extLst>
+  </p:cSld>
+  <p:clrMapOvr>
+    <a:masterClrMapping/>
+  </p:clrMapOvr>
+</p:sld>
+</file>
+
+<file path=ppt/slides/slide17.xml><?xml version="1.0" encoding="utf-8"?>
+<p:sld xmlns:a="http://schemas.openxmlformats.org/drawingml/2006/main" xmlns:r="http://schemas.openxmlformats.org/officeDocument/2006/relationships" xmlns:p="http://schemas.openxmlformats.org/presentationml/2006/main">
+  <p:cSld>
+    <p:spTree>
+      <p:nvGrpSpPr>
+        <p:cNvPr id="1" name="Shape 123"/>
+        <p:cNvGrpSpPr/>
+        <p:nvPr/>
+      </p:nvGrpSpPr>
+      <p:grpSpPr>
+        <a:xfrm>
+          <a:off x="0" y="0"/>
+          <a:ext cx="0" cy="0"/>
+          <a:chOff x="0" y="0"/>
+          <a:chExt cx="0" cy="0"/>
+        </a:xfrm>
+      </p:grpSpPr>
+      <p:sp>
+        <p:nvSpPr>
+          <p:cNvPr id="124" name="Google Shape;124;p17"/>
+          <p:cNvSpPr txBox="1">
+            <a:spLocks noGrp="1"/>
+          </p:cNvSpPr>
+          <p:nvPr>
+            <p:ph type="title"/>
+          </p:nvPr>
+        </p:nvSpPr>
+        <p:spPr>
+          <a:xfrm>
+            <a:off x="893700" y="358388"/>
+            <a:ext cx="6462600" cy="857400"/>
+          </a:xfrm>
+          <a:prstGeom prst="rect">
+            <a:avLst/>
+          </a:prstGeom>
+        </p:spPr>
+        <p:txBody>
+          <a:bodyPr spcFirstLastPara="1" wrap="square" lIns="91425" tIns="91425" rIns="91425" bIns="91425" anchor="b" anchorCtr="0">
+            <a:noAutofit/>
+          </a:bodyPr>
+          <a:lstStyle/>
+          <a:p>
+            <a:pPr marL="0" lvl="0" indent="0" algn="l" rtl="0">
+              <a:spcBef>
+                <a:spcPts val="0"/>
+              </a:spcBef>
+              <a:spcAft>
+                <a:spcPts val="0"/>
+              </a:spcAft>
+              <a:buNone/>
+            </a:pPr>
+            <a:r>
+              <a:rPr lang="en" dirty="0"/>
+              <a:t>Key Limitations</a:t>
+            </a:r>
+            <a:endParaRPr dirty="0"/>
+          </a:p>
+        </p:txBody>
+      </p:sp>
+      <p:sp>
+        <p:nvSpPr>
+          <p:cNvPr id="125" name="Google Shape;125;p17"/>
+          <p:cNvSpPr txBox="1">
+            <a:spLocks noGrp="1"/>
+          </p:cNvSpPr>
+          <p:nvPr>
+            <p:ph type="body" idx="1"/>
+          </p:nvPr>
+        </p:nvSpPr>
+        <p:spPr>
+          <a:xfrm>
+            <a:off x="662881" y="1382466"/>
+            <a:ext cx="7586876" cy="3552300"/>
+          </a:xfrm>
+          <a:prstGeom prst="rect">
+            <a:avLst/>
+          </a:prstGeom>
+        </p:spPr>
+        <p:txBody>
+          <a:bodyPr spcFirstLastPara="1" wrap="square" lIns="91425" tIns="91425" rIns="91425" bIns="91425" anchor="t" anchorCtr="0">
+            <a:noAutofit/>
+          </a:bodyPr>
+          <a:lstStyle/>
+          <a:p>
+            <a:pPr lvl="0"/>
+            <a:r>
+              <a:rPr lang="en-US" sz="2000" dirty="0"/>
+              <a:t>Limits in data. Data obtained is only up till 2019.</a:t>
+            </a:r>
+            <a:endParaRPr lang="en-SG" sz="2000" dirty="0"/>
+          </a:p>
+          <a:p>
+            <a:pPr marL="114300" lvl="0" indent="0">
+              <a:buNone/>
+            </a:pPr>
+            <a:endParaRPr lang="en-SG" sz="2000" dirty="0"/>
+          </a:p>
+          <a:p>
+            <a:pPr lvl="0"/>
+            <a:r>
+              <a:rPr lang="en-SG" sz="2000" dirty="0"/>
+              <a:t>Correlation does not imply causation. There could be other contributing factors.</a:t>
+            </a:r>
+          </a:p>
+          <a:p>
+            <a:pPr lvl="0"/>
+            <a:endParaRPr lang="en-SG" sz="2000" dirty="0"/>
+          </a:p>
+          <a:p>
+            <a:pPr lvl="0"/>
+            <a:r>
+              <a:rPr lang="en-SG" sz="2000" dirty="0"/>
+              <a:t>Analysis and recommendations is on the assumption that future trends will hold similar to historical trends.</a:t>
+            </a:r>
+          </a:p>
+          <a:p>
+            <a:pPr lvl="0"/>
+            <a:endParaRPr lang="en-SG" sz="2000" dirty="0"/>
+          </a:p>
+          <a:p>
+            <a:pPr lvl="0"/>
+            <a:endParaRPr lang="en-SG" sz="2000" dirty="0"/>
+          </a:p>
+          <a:p>
+            <a:pPr lvl="0"/>
+            <a:endParaRPr lang="en-US" sz="2000" dirty="0"/>
+          </a:p>
+          <a:p>
+            <a:pPr marL="457200" lvl="0" indent="-342900" algn="l" rtl="0">
+              <a:spcBef>
+                <a:spcPts val="0"/>
+              </a:spcBef>
+              <a:spcAft>
+                <a:spcPts val="0"/>
+              </a:spcAft>
+              <a:buSzPts val="1800"/>
+              <a:buChar char="▷"/>
+            </a:pPr>
+            <a:endParaRPr sz="2000" dirty="0"/>
+          </a:p>
+        </p:txBody>
+      </p:sp>
+      <p:sp>
+        <p:nvSpPr>
+          <p:cNvPr id="126" name="Google Shape;126;p17"/>
+          <p:cNvSpPr txBox="1">
+            <a:spLocks noGrp="1"/>
+          </p:cNvSpPr>
+          <p:nvPr>
+            <p:ph type="sldNum" idx="12"/>
+          </p:nvPr>
+        </p:nvSpPr>
+        <p:spPr>
+          <a:xfrm>
+            <a:off x="8480575" y="4696933"/>
+            <a:ext cx="548700" cy="313500"/>
+          </a:xfrm>
+          <a:prstGeom prst="rect">
+            <a:avLst/>
+          </a:prstGeom>
+        </p:spPr>
+        <p:txBody>
+          <a:bodyPr spcFirstLastPara="1" wrap="square" lIns="91425" tIns="91425" rIns="91425" bIns="91425" anchor="t" anchorCtr="0">
+            <a:noAutofit/>
+          </a:bodyPr>
+          <a:lstStyle/>
+          <a:p>
+            <a:pPr marL="0" lvl="0" indent="0" algn="r" rtl="0">
+              <a:spcBef>
+                <a:spcPts val="0"/>
+              </a:spcBef>
+              <a:spcAft>
+                <a:spcPts val="0"/>
+              </a:spcAft>
+              <a:buNone/>
+            </a:pPr>
+            <a:fld id="{00000000-1234-1234-1234-123412341234}" type="slidenum">
+              <a:rPr lang="en"/>
+              <a:t>17</a:t>
+            </a:fld>
+            <a:endParaRPr/>
+          </a:p>
+        </p:txBody>
+      </p:sp>
+    </p:spTree>
+    <p:extLst>
+      <p:ext uri="{BB962C8B-B14F-4D97-AF65-F5344CB8AC3E}">
+        <p14:creationId xmlns:p14="http://schemas.microsoft.com/office/powerpoint/2010/main" val="2533057844"/>
       </p:ext>
     </p:extLst>
   </p:cSld>
@@ -15881,12 +15640,8 @@
               <a:buNone/>
             </a:pPr>
             <a:r>
-              <a:rPr lang="en"/>
-              <a:t>Project </a:t>
-            </a:r>
-            <a:r>
               <a:rPr lang="en" dirty="0"/>
-              <a:t>Objectives</a:t>
+              <a:t>Project Objectives</a:t>
             </a:r>
             <a:endParaRPr dirty="0"/>
           </a:p>
@@ -16427,204 +16182,6 @@
             </a:pPr>
             <a:r>
               <a:rPr lang="en" dirty="0"/>
-              <a:t>Project Objectives</a:t>
-            </a:r>
-            <a:endParaRPr dirty="0"/>
-          </a:p>
-        </p:txBody>
-      </p:sp>
-      <p:sp>
-        <p:nvSpPr>
-          <p:cNvPr id="125" name="Google Shape;125;p17"/>
-          <p:cNvSpPr txBox="1">
-            <a:spLocks noGrp="1"/>
-          </p:cNvSpPr>
-          <p:nvPr>
-            <p:ph type="body" idx="1"/>
-          </p:nvPr>
-        </p:nvSpPr>
-        <p:spPr>
-          <a:xfrm>
-            <a:off x="662881" y="1382466"/>
-            <a:ext cx="7586876" cy="3552300"/>
-          </a:xfrm>
-          <a:prstGeom prst="rect">
-            <a:avLst/>
-          </a:prstGeom>
-        </p:spPr>
-        <p:txBody>
-          <a:bodyPr spcFirstLastPara="1" wrap="square" lIns="91425" tIns="91425" rIns="91425" bIns="91425" anchor="t" anchorCtr="0">
-            <a:noAutofit/>
-          </a:bodyPr>
-          <a:lstStyle/>
-          <a:p>
-            <a:pPr lvl="0"/>
-            <a:r>
-              <a:rPr lang="en-US" sz="2000" dirty="0"/>
-              <a:t>Visualize data gathered on SAT participation rates from 2017 to 2019.</a:t>
-            </a:r>
-          </a:p>
-          <a:p>
-            <a:pPr lvl="0"/>
-            <a:endParaRPr lang="en-US" sz="2000" dirty="0"/>
-          </a:p>
-          <a:p>
-            <a:pPr lvl="0"/>
-            <a:r>
-              <a:rPr lang="en-US" sz="2000" dirty="0"/>
-              <a:t>Identify trends in the data.</a:t>
-            </a:r>
-          </a:p>
-          <a:p>
-            <a:pPr lvl="0"/>
-            <a:endParaRPr lang="en-US" sz="2000" dirty="0"/>
-          </a:p>
-          <a:p>
-            <a:pPr lvl="0"/>
-            <a:r>
-              <a:rPr lang="en-US" sz="2000" dirty="0"/>
-              <a:t>Make recommendations to the board based on the trends.</a:t>
-            </a:r>
-          </a:p>
-          <a:p>
-            <a:pPr lvl="0"/>
-            <a:endParaRPr lang="en-SG" sz="2000" dirty="0"/>
-          </a:p>
-          <a:p>
-            <a:pPr lvl="0"/>
-            <a:endParaRPr lang="en-SG" sz="2000" dirty="0"/>
-          </a:p>
-          <a:p>
-            <a:pPr lvl="0"/>
-            <a:endParaRPr lang="en-SG" sz="2000" dirty="0"/>
-          </a:p>
-          <a:p>
-            <a:pPr lvl="0"/>
-            <a:endParaRPr lang="en-US" sz="2000" dirty="0"/>
-          </a:p>
-          <a:p>
-            <a:pPr marL="457200" lvl="0" indent="-342900" algn="l" rtl="0">
-              <a:spcBef>
-                <a:spcPts val="0"/>
-              </a:spcBef>
-              <a:spcAft>
-                <a:spcPts val="0"/>
-              </a:spcAft>
-              <a:buSzPts val="1800"/>
-              <a:buChar char="▷"/>
-            </a:pPr>
-            <a:endParaRPr sz="2000" dirty="0"/>
-          </a:p>
-        </p:txBody>
-      </p:sp>
-      <p:sp>
-        <p:nvSpPr>
-          <p:cNvPr id="126" name="Google Shape;126;p17"/>
-          <p:cNvSpPr txBox="1">
-            <a:spLocks noGrp="1"/>
-          </p:cNvSpPr>
-          <p:nvPr>
-            <p:ph type="sldNum" idx="12"/>
-          </p:nvPr>
-        </p:nvSpPr>
-        <p:spPr>
-          <a:xfrm>
-            <a:off x="8480575" y="4696933"/>
-            <a:ext cx="548700" cy="313500"/>
-          </a:xfrm>
-          <a:prstGeom prst="rect">
-            <a:avLst/>
-          </a:prstGeom>
-        </p:spPr>
-        <p:txBody>
-          <a:bodyPr spcFirstLastPara="1" wrap="square" lIns="91425" tIns="91425" rIns="91425" bIns="91425" anchor="t" anchorCtr="0">
-            <a:noAutofit/>
-          </a:bodyPr>
-          <a:lstStyle/>
-          <a:p>
-            <a:pPr marL="0" lvl="0" indent="0" algn="r" rtl="0">
-              <a:spcBef>
-                <a:spcPts val="0"/>
-              </a:spcBef>
-              <a:spcAft>
-                <a:spcPts val="0"/>
-              </a:spcAft>
-              <a:buNone/>
-            </a:pPr>
-            <a:fld id="{00000000-1234-1234-1234-123412341234}" type="slidenum">
-              <a:rPr lang="en"/>
-              <a:t>4</a:t>
-            </a:fld>
-            <a:endParaRPr/>
-          </a:p>
-        </p:txBody>
-      </p:sp>
-    </p:spTree>
-    <p:extLst>
-      <p:ext uri="{BB962C8B-B14F-4D97-AF65-F5344CB8AC3E}">
-        <p14:creationId xmlns:p14="http://schemas.microsoft.com/office/powerpoint/2010/main" val="3282584250"/>
-      </p:ext>
-    </p:extLst>
-  </p:cSld>
-  <p:clrMapOvr>
-    <a:masterClrMapping/>
-  </p:clrMapOvr>
-</p:sld>
-</file>
-
-<file path=ppt/slides/slide5.xml><?xml version="1.0" encoding="utf-8"?>
-<p:sld xmlns:a="http://schemas.openxmlformats.org/drawingml/2006/main" xmlns:r="http://schemas.openxmlformats.org/officeDocument/2006/relationships" xmlns:p="http://schemas.openxmlformats.org/presentationml/2006/main">
-  <p:cSld>
-    <p:spTree>
-      <p:nvGrpSpPr>
-        <p:cNvPr id="1" name="Shape 123"/>
-        <p:cNvGrpSpPr/>
-        <p:nvPr/>
-      </p:nvGrpSpPr>
-      <p:grpSpPr>
-        <a:xfrm>
-          <a:off x="0" y="0"/>
-          <a:ext cx="0" cy="0"/>
-          <a:chOff x="0" y="0"/>
-          <a:chExt cx="0" cy="0"/>
-        </a:xfrm>
-      </p:grpSpPr>
-      <p:sp>
-        <p:nvSpPr>
-          <p:cNvPr id="124" name="Google Shape;124;p17"/>
-          <p:cNvSpPr txBox="1">
-            <a:spLocks noGrp="1"/>
-          </p:cNvSpPr>
-          <p:nvPr>
-            <p:ph type="title"/>
-          </p:nvPr>
-        </p:nvSpPr>
-        <p:spPr>
-          <a:xfrm>
-            <a:off x="893700" y="358388"/>
-            <a:ext cx="6462600" cy="857400"/>
-          </a:xfrm>
-          <a:prstGeom prst="rect">
-            <a:avLst/>
-          </a:prstGeom>
-        </p:spPr>
-        <p:txBody>
-          <a:bodyPr spcFirstLastPara="1" wrap="square" lIns="91425" tIns="91425" rIns="91425" bIns="91425" anchor="b" anchorCtr="0">
-            <a:noAutofit/>
-          </a:bodyPr>
-          <a:lstStyle/>
-          <a:p>
-            <a:pPr marL="0" lvl="0" indent="0" algn="l" rtl="0">
-              <a:spcBef>
-                <a:spcPts val="0"/>
-              </a:spcBef>
-              <a:spcAft>
-                <a:spcPts val="0"/>
-              </a:spcAft>
-              <a:buNone/>
-            </a:pPr>
-            <a:r>
-              <a:rPr lang="en" dirty="0"/>
               <a:t>Background</a:t>
             </a:r>
             <a:endParaRPr dirty="0"/>
@@ -16758,7 +16315,7 @@
             </a:pPr>
             <a:fld id="{00000000-1234-1234-1234-123412341234}" type="slidenum">
               <a:rPr lang="en"/>
-              <a:t>5</a:t>
+              <a:t>4</a:t>
             </a:fld>
             <a:endParaRPr/>
           </a:p>
@@ -16777,7 +16334,7 @@
 </p:sld>
 </file>
 
-<file path=ppt/slides/slide6.xml><?xml version="1.0" encoding="utf-8"?>
+<file path=ppt/slides/slide5.xml><?xml version="1.0" encoding="utf-8"?>
 <p:sld xmlns:a="http://schemas.openxmlformats.org/drawingml/2006/main" xmlns:r="http://schemas.openxmlformats.org/officeDocument/2006/relationships" xmlns:p="http://schemas.openxmlformats.org/presentationml/2006/main">
   <p:cSld>
     <p:spTree>
@@ -16927,7 +16484,7 @@
             </a:pPr>
             <a:fld id="{00000000-1234-1234-1234-123412341234}" type="slidenum">
               <a:rPr lang="en"/>
-              <a:t>6</a:t>
+              <a:t>5</a:t>
             </a:fld>
             <a:endParaRPr/>
           </a:p>
@@ -18024,7 +17581,7 @@
 </p:sld>
 </file>
 
-<file path=ppt/slides/slide7.xml><?xml version="1.0" encoding="utf-8"?>
+<file path=ppt/slides/slide6.xml><?xml version="1.0" encoding="utf-8"?>
 <p:sld xmlns:a="http://schemas.openxmlformats.org/drawingml/2006/main" xmlns:r="http://schemas.openxmlformats.org/officeDocument/2006/relationships" xmlns:p="http://schemas.openxmlformats.org/presentationml/2006/main">
   <p:cSld>
     <p:spTree>
@@ -18101,7 +17658,7 @@
             </a:pPr>
             <a:fld id="{00000000-1234-1234-1234-123412341234}" type="slidenum">
               <a:rPr lang="en" smtClean="0"/>
-              <a:t>7</a:t>
+              <a:t>6</a:t>
             </a:fld>
             <a:endParaRPr lang="en"/>
           </a:p>
@@ -18398,6 +17955,132 @@
 </p:sld>
 </file>
 
+<file path=ppt/slides/slide7.xml><?xml version="1.0" encoding="utf-8"?>
+<p:sld xmlns:a="http://schemas.openxmlformats.org/drawingml/2006/main" xmlns:r="http://schemas.openxmlformats.org/officeDocument/2006/relationships" xmlns:p="http://schemas.openxmlformats.org/presentationml/2006/main">
+  <p:cSld>
+    <p:spTree>
+      <p:nvGrpSpPr>
+        <p:cNvPr id="1" name=""/>
+        <p:cNvGrpSpPr/>
+        <p:nvPr/>
+      </p:nvGrpSpPr>
+      <p:grpSpPr>
+        <a:xfrm>
+          <a:off x="0" y="0"/>
+          <a:ext cx="0" cy="0"/>
+          <a:chOff x="0" y="0"/>
+          <a:chExt cx="0" cy="0"/>
+        </a:xfrm>
+      </p:grpSpPr>
+      <p:sp>
+        <p:nvSpPr>
+          <p:cNvPr id="2" name="Title 1">
+            <a:extLst>
+              <a:ext uri="{FF2B5EF4-FFF2-40B4-BE49-F238E27FC236}">
+                <a16:creationId xmlns:a16="http://schemas.microsoft.com/office/drawing/2014/main" id="{398F70CC-ED3E-5B25-5A00-F46EAEDB7B30}"/>
+              </a:ext>
+            </a:extLst>
+          </p:cNvPr>
+          <p:cNvSpPr>
+            <a:spLocks noGrp="1"/>
+          </p:cNvSpPr>
+          <p:nvPr>
+            <p:ph type="title"/>
+          </p:nvPr>
+        </p:nvSpPr>
+        <p:spPr/>
+        <p:txBody>
+          <a:bodyPr/>
+          <a:lstStyle/>
+          <a:p>
+            <a:r>
+              <a:rPr lang="en-US" dirty="0"/>
+              <a:t>Trends – SAT Participation Rates</a:t>
+            </a:r>
+          </a:p>
+        </p:txBody>
+      </p:sp>
+      <p:sp>
+        <p:nvSpPr>
+          <p:cNvPr id="4" name="Slide Number Placeholder 3">
+            <a:extLst>
+              <a:ext uri="{FF2B5EF4-FFF2-40B4-BE49-F238E27FC236}">
+                <a16:creationId xmlns:a16="http://schemas.microsoft.com/office/drawing/2014/main" id="{FB4F5580-F843-BA2D-5964-C0C9EAE40BB8}"/>
+              </a:ext>
+            </a:extLst>
+          </p:cNvPr>
+          <p:cNvSpPr>
+            <a:spLocks noGrp="1"/>
+          </p:cNvSpPr>
+          <p:nvPr>
+            <p:ph type="sldNum" idx="12"/>
+          </p:nvPr>
+        </p:nvSpPr>
+        <p:spPr/>
+        <p:txBody>
+          <a:bodyPr/>
+          <a:lstStyle/>
+          <a:p>
+            <a:pPr marL="0" lvl="0" indent="0" algn="r" rtl="0">
+              <a:spcBef>
+                <a:spcPts val="0"/>
+              </a:spcBef>
+              <a:spcAft>
+                <a:spcPts val="0"/>
+              </a:spcAft>
+              <a:buNone/>
+            </a:pPr>
+            <a:fld id="{00000000-1234-1234-1234-123412341234}" type="slidenum">
+              <a:rPr lang="en" smtClean="0"/>
+              <a:t>7</a:t>
+            </a:fld>
+            <a:endParaRPr lang="en"/>
+          </a:p>
+        </p:txBody>
+      </p:sp>
+      <p:graphicFrame>
+        <p:nvGraphicFramePr>
+          <p:cNvPr id="3" name="Chart 2">
+            <a:extLst>
+              <a:ext uri="{FF2B5EF4-FFF2-40B4-BE49-F238E27FC236}">
+                <a16:creationId xmlns:a16="http://schemas.microsoft.com/office/drawing/2014/main" id="{820AD7DA-8488-B74E-939A-7F6B439B432A}"/>
+              </a:ext>
+            </a:extLst>
+          </p:cNvPr>
+          <p:cNvGraphicFramePr>
+            <a:graphicFrameLocks/>
+          </p:cNvGraphicFramePr>
+          <p:nvPr>
+            <p:extLst>
+              <p:ext uri="{D42A27DB-BD31-4B8C-83A1-F6EECF244321}">
+                <p14:modId xmlns:p14="http://schemas.microsoft.com/office/powerpoint/2010/main" val="3174126196"/>
+              </p:ext>
+            </p:extLst>
+          </p:nvPr>
+        </p:nvGraphicFramePr>
+        <p:xfrm>
+          <a:off x="893699" y="1215788"/>
+          <a:ext cx="7586875" cy="3794645"/>
+        </p:xfrm>
+        <a:graphic>
+          <a:graphicData uri="http://schemas.openxmlformats.org/drawingml/2006/chart">
+            <c:chart xmlns:c="http://schemas.openxmlformats.org/drawingml/2006/chart" xmlns:r="http://schemas.openxmlformats.org/officeDocument/2006/relationships" r:id="rId2"/>
+          </a:graphicData>
+        </a:graphic>
+      </p:graphicFrame>
+    </p:spTree>
+    <p:extLst>
+      <p:ext uri="{BB962C8B-B14F-4D97-AF65-F5344CB8AC3E}">
+        <p14:creationId xmlns:p14="http://schemas.microsoft.com/office/powerpoint/2010/main" val="1257279200"/>
+      </p:ext>
+    </p:extLst>
+  </p:cSld>
+  <p:clrMapOvr>
+    <a:masterClrMapping/>
+  </p:clrMapOvr>
+</p:sld>
+</file>
+
 <file path=ppt/slides/slide8.xml><?xml version="1.0" encoding="utf-8"?>
 <p:sld xmlns:a="http://schemas.openxmlformats.org/drawingml/2006/main" xmlns:r="http://schemas.openxmlformats.org/officeDocument/2006/relationships" xmlns:p="http://schemas.openxmlformats.org/presentationml/2006/main">
   <p:cSld>
@@ -18476,132 +18159,6 @@
             <a:fld id="{00000000-1234-1234-1234-123412341234}" type="slidenum">
               <a:rPr lang="en" smtClean="0"/>
               <a:t>8</a:t>
-            </a:fld>
-            <a:endParaRPr lang="en"/>
-          </a:p>
-        </p:txBody>
-      </p:sp>
-      <p:graphicFrame>
-        <p:nvGraphicFramePr>
-          <p:cNvPr id="3" name="Chart 2">
-            <a:extLst>
-              <a:ext uri="{FF2B5EF4-FFF2-40B4-BE49-F238E27FC236}">
-                <a16:creationId xmlns:a16="http://schemas.microsoft.com/office/drawing/2014/main" id="{820AD7DA-8488-B74E-939A-7F6B439B432A}"/>
-              </a:ext>
-            </a:extLst>
-          </p:cNvPr>
-          <p:cNvGraphicFramePr>
-            <a:graphicFrameLocks/>
-          </p:cNvGraphicFramePr>
-          <p:nvPr>
-            <p:extLst>
-              <p:ext uri="{D42A27DB-BD31-4B8C-83A1-F6EECF244321}">
-                <p14:modId xmlns:p14="http://schemas.microsoft.com/office/powerpoint/2010/main" val="3174126196"/>
-              </p:ext>
-            </p:extLst>
-          </p:nvPr>
-        </p:nvGraphicFramePr>
-        <p:xfrm>
-          <a:off x="893699" y="1215788"/>
-          <a:ext cx="7586875" cy="3794645"/>
-        </p:xfrm>
-        <a:graphic>
-          <a:graphicData uri="http://schemas.openxmlformats.org/drawingml/2006/chart">
-            <c:chart xmlns:c="http://schemas.openxmlformats.org/drawingml/2006/chart" xmlns:r="http://schemas.openxmlformats.org/officeDocument/2006/relationships" r:id="rId2"/>
-          </a:graphicData>
-        </a:graphic>
-      </p:graphicFrame>
-    </p:spTree>
-    <p:extLst>
-      <p:ext uri="{BB962C8B-B14F-4D97-AF65-F5344CB8AC3E}">
-        <p14:creationId xmlns:p14="http://schemas.microsoft.com/office/powerpoint/2010/main" val="1257279200"/>
-      </p:ext>
-    </p:extLst>
-  </p:cSld>
-  <p:clrMapOvr>
-    <a:masterClrMapping/>
-  </p:clrMapOvr>
-</p:sld>
-</file>
-
-<file path=ppt/slides/slide9.xml><?xml version="1.0" encoding="utf-8"?>
-<p:sld xmlns:a="http://schemas.openxmlformats.org/drawingml/2006/main" xmlns:r="http://schemas.openxmlformats.org/officeDocument/2006/relationships" xmlns:p="http://schemas.openxmlformats.org/presentationml/2006/main">
-  <p:cSld>
-    <p:spTree>
-      <p:nvGrpSpPr>
-        <p:cNvPr id="1" name=""/>
-        <p:cNvGrpSpPr/>
-        <p:nvPr/>
-      </p:nvGrpSpPr>
-      <p:grpSpPr>
-        <a:xfrm>
-          <a:off x="0" y="0"/>
-          <a:ext cx="0" cy="0"/>
-          <a:chOff x="0" y="0"/>
-          <a:chExt cx="0" cy="0"/>
-        </a:xfrm>
-      </p:grpSpPr>
-      <p:sp>
-        <p:nvSpPr>
-          <p:cNvPr id="2" name="Title 1">
-            <a:extLst>
-              <a:ext uri="{FF2B5EF4-FFF2-40B4-BE49-F238E27FC236}">
-                <a16:creationId xmlns:a16="http://schemas.microsoft.com/office/drawing/2014/main" id="{398F70CC-ED3E-5B25-5A00-F46EAEDB7B30}"/>
-              </a:ext>
-            </a:extLst>
-          </p:cNvPr>
-          <p:cNvSpPr>
-            <a:spLocks noGrp="1"/>
-          </p:cNvSpPr>
-          <p:nvPr>
-            <p:ph type="title"/>
-          </p:nvPr>
-        </p:nvSpPr>
-        <p:spPr/>
-        <p:txBody>
-          <a:bodyPr/>
-          <a:lstStyle/>
-          <a:p>
-            <a:r>
-              <a:rPr lang="en-US" dirty="0"/>
-              <a:t>Trends – SAT Participation Rates</a:t>
-            </a:r>
-          </a:p>
-        </p:txBody>
-      </p:sp>
-      <p:sp>
-        <p:nvSpPr>
-          <p:cNvPr id="4" name="Slide Number Placeholder 3">
-            <a:extLst>
-              <a:ext uri="{FF2B5EF4-FFF2-40B4-BE49-F238E27FC236}">
-                <a16:creationId xmlns:a16="http://schemas.microsoft.com/office/drawing/2014/main" id="{FB4F5580-F843-BA2D-5964-C0C9EAE40BB8}"/>
-              </a:ext>
-            </a:extLst>
-          </p:cNvPr>
-          <p:cNvSpPr>
-            <a:spLocks noGrp="1"/>
-          </p:cNvSpPr>
-          <p:nvPr>
-            <p:ph type="sldNum" idx="12"/>
-          </p:nvPr>
-        </p:nvSpPr>
-        <p:spPr/>
-        <p:txBody>
-          <a:bodyPr/>
-          <a:lstStyle/>
-          <a:p>
-            <a:pPr marL="0" lvl="0" indent="0" algn="r" rtl="0">
-              <a:spcBef>
-                <a:spcPts val="0"/>
-              </a:spcBef>
-              <a:spcAft>
-                <a:spcPts val="0"/>
-              </a:spcAft>
-              <a:buNone/>
-            </a:pPr>
-            <a:fld id="{00000000-1234-1234-1234-123412341234}" type="slidenum">
-              <a:rPr lang="en" smtClean="0"/>
-              <a:t>9</a:t>
             </a:fld>
             <a:endParaRPr lang="en"/>
           </a:p>
@@ -18787,6 +18344,195 @@
       <p:bldP spid="7" grpId="0" animBg="1"/>
     </p:bldLst>
   </p:timing>
+</p:sld>
+</file>
+
+<file path=ppt/slides/slide9.xml><?xml version="1.0" encoding="utf-8"?>
+<p:sld xmlns:a="http://schemas.openxmlformats.org/drawingml/2006/main" xmlns:r="http://schemas.openxmlformats.org/officeDocument/2006/relationships" xmlns:p="http://schemas.openxmlformats.org/presentationml/2006/main">
+  <p:cSld>
+    <p:spTree>
+      <p:nvGrpSpPr>
+        <p:cNvPr id="1" name=""/>
+        <p:cNvGrpSpPr/>
+        <p:nvPr/>
+      </p:nvGrpSpPr>
+      <p:grpSpPr>
+        <a:xfrm>
+          <a:off x="0" y="0"/>
+          <a:ext cx="0" cy="0"/>
+          <a:chOff x="0" y="0"/>
+          <a:chExt cx="0" cy="0"/>
+        </a:xfrm>
+      </p:grpSpPr>
+      <p:sp>
+        <p:nvSpPr>
+          <p:cNvPr id="2" name="Title 1">
+            <a:extLst>
+              <a:ext uri="{FF2B5EF4-FFF2-40B4-BE49-F238E27FC236}">
+                <a16:creationId xmlns:a16="http://schemas.microsoft.com/office/drawing/2014/main" id="{398F70CC-ED3E-5B25-5A00-F46EAEDB7B30}"/>
+              </a:ext>
+            </a:extLst>
+          </p:cNvPr>
+          <p:cNvSpPr>
+            <a:spLocks noGrp="1"/>
+          </p:cNvSpPr>
+          <p:nvPr>
+            <p:ph type="title"/>
+          </p:nvPr>
+        </p:nvSpPr>
+        <p:spPr/>
+        <p:txBody>
+          <a:bodyPr/>
+          <a:lstStyle/>
+          <a:p>
+            <a:r>
+              <a:rPr lang="en-US" dirty="0"/>
+              <a:t>Trends – SAT Participation Rates</a:t>
+            </a:r>
+          </a:p>
+        </p:txBody>
+      </p:sp>
+      <p:sp>
+        <p:nvSpPr>
+          <p:cNvPr id="4" name="Slide Number Placeholder 3">
+            <a:extLst>
+              <a:ext uri="{FF2B5EF4-FFF2-40B4-BE49-F238E27FC236}">
+                <a16:creationId xmlns:a16="http://schemas.microsoft.com/office/drawing/2014/main" id="{FB4F5580-F843-BA2D-5964-C0C9EAE40BB8}"/>
+              </a:ext>
+            </a:extLst>
+          </p:cNvPr>
+          <p:cNvSpPr>
+            <a:spLocks noGrp="1"/>
+          </p:cNvSpPr>
+          <p:nvPr>
+            <p:ph type="sldNum" idx="12"/>
+          </p:nvPr>
+        </p:nvSpPr>
+        <p:spPr/>
+        <p:txBody>
+          <a:bodyPr/>
+          <a:lstStyle/>
+          <a:p>
+            <a:pPr marL="0" lvl="0" indent="0" algn="r" rtl="0">
+              <a:spcBef>
+                <a:spcPts val="0"/>
+              </a:spcBef>
+              <a:spcAft>
+                <a:spcPts val="0"/>
+              </a:spcAft>
+              <a:buNone/>
+            </a:pPr>
+            <a:fld id="{00000000-1234-1234-1234-123412341234}" type="slidenum">
+              <a:rPr lang="en" smtClean="0"/>
+              <a:t>9</a:t>
+            </a:fld>
+            <a:endParaRPr lang="en"/>
+          </a:p>
+        </p:txBody>
+      </p:sp>
+      <p:sp>
+        <p:nvSpPr>
+          <p:cNvPr id="3" name="Google Shape;125;p17">
+            <a:extLst>
+              <a:ext uri="{FF2B5EF4-FFF2-40B4-BE49-F238E27FC236}">
+                <a16:creationId xmlns:a16="http://schemas.microsoft.com/office/drawing/2014/main" id="{3C84B1BF-86F4-1247-4385-BE2CC96EEB2F}"/>
+              </a:ext>
+            </a:extLst>
+          </p:cNvPr>
+          <p:cNvSpPr txBox="1">
+            <a:spLocks noGrp="1"/>
+          </p:cNvSpPr>
+          <p:nvPr>
+            <p:ph type="body" idx="1"/>
+          </p:nvPr>
+        </p:nvSpPr>
+        <p:spPr>
+          <a:xfrm>
+            <a:off x="662881" y="1382466"/>
+            <a:ext cx="7586876" cy="3552300"/>
+          </a:xfrm>
+          <a:prstGeom prst="rect">
+            <a:avLst/>
+          </a:prstGeom>
+        </p:spPr>
+        <p:txBody>
+          <a:bodyPr spcFirstLastPara="1" wrap="square" lIns="91425" tIns="91425" rIns="91425" bIns="91425" anchor="t" anchorCtr="0">
+            <a:noAutofit/>
+          </a:bodyPr>
+          <a:lstStyle/>
+          <a:p>
+            <a:pPr lvl="0"/>
+            <a:r>
+              <a:rPr lang="en-US" sz="2000" dirty="0"/>
+              <a:t>Overall participation rates across the states remain quite stable from 2017 - 2019.</a:t>
+            </a:r>
+            <a:endParaRPr lang="en-SG" sz="2000" dirty="0"/>
+          </a:p>
+          <a:p>
+            <a:pPr marL="114300" lvl="0" indent="0">
+              <a:buNone/>
+            </a:pPr>
+            <a:endParaRPr lang="en-SG" sz="2000" dirty="0"/>
+          </a:p>
+          <a:p>
+            <a:pPr lvl="0"/>
+            <a:r>
+              <a:rPr lang="en-SG" sz="2000" dirty="0"/>
+              <a:t>Huge jumps for Colorado, Illinois and West Virginia.</a:t>
+            </a:r>
+          </a:p>
+          <a:p>
+            <a:pPr lvl="0"/>
+            <a:endParaRPr lang="en-SG" sz="2000" dirty="0"/>
+          </a:p>
+          <a:p>
+            <a:pPr lvl="0"/>
+            <a:r>
+              <a:rPr lang="en-SG" sz="2000" dirty="0"/>
+              <a:t>Mainly due to SAT being made mandatory in these states.</a:t>
+            </a:r>
+          </a:p>
+          <a:p>
+            <a:pPr lvl="0"/>
+            <a:endParaRPr lang="en-SG" sz="2000" dirty="0"/>
+          </a:p>
+          <a:p>
+            <a:pPr lvl="0"/>
+            <a:endParaRPr lang="en-SG" sz="2000" dirty="0"/>
+          </a:p>
+          <a:p>
+            <a:pPr lvl="0"/>
+            <a:endParaRPr lang="en-SG" sz="2000" dirty="0"/>
+          </a:p>
+          <a:p>
+            <a:pPr lvl="0"/>
+            <a:endParaRPr lang="en-US" sz="2000" dirty="0"/>
+          </a:p>
+          <a:p>
+            <a:pPr marL="457200" lvl="0" indent="-342900" algn="l" rtl="0">
+              <a:spcBef>
+                <a:spcPts val="0"/>
+              </a:spcBef>
+              <a:spcAft>
+                <a:spcPts val="0"/>
+              </a:spcAft>
+              <a:buSzPts val="1800"/>
+              <a:buChar char="▷"/>
+            </a:pPr>
+            <a:endParaRPr sz="2000" dirty="0"/>
+          </a:p>
+        </p:txBody>
+      </p:sp>
+    </p:spTree>
+    <p:extLst>
+      <p:ext uri="{BB962C8B-B14F-4D97-AF65-F5344CB8AC3E}">
+        <p14:creationId xmlns:p14="http://schemas.microsoft.com/office/powerpoint/2010/main" val="1854909011"/>
+      </p:ext>
+    </p:extLst>
+  </p:cSld>
+  <p:clrMapOvr>
+    <a:masterClrMapping/>
+  </p:clrMapOvr>
 </p:sld>
 </file>
 

--- a/GA Project 1/GA Project 1 Slides.pptx
+++ b/GA Project 1/GA Project 1 Slides.pptx
@@ -15256,7 +15256,7 @@
             <a:pPr lvl="0"/>
             <a:r>
               <a:rPr lang="en-SG" sz="2000" dirty="0"/>
-              <a:t>Correlation does not imply causation. There could be other contributing factors.</a:t>
+              <a:t>There could be other contributing factors. Correlation does not imply causation. </a:t>
             </a:r>
           </a:p>
           <a:p>
